--- a/florida_bay_food_web_presentation.pptx
+++ b/florida_bay_food_web_presentation.pptx
@@ -136,6 +136,7 @@
 <file path=ppt/revisionInfo.xml><?xml version="1.0" encoding="utf-8"?>
 <p1510:revInfo xmlns:a="http://schemas.openxmlformats.org/drawingml/2006/main" xmlns:r="http://schemas.openxmlformats.org/officeDocument/2006/relationships" xmlns:p1510="http://schemas.microsoft.com/office/powerpoint/2015/10/main">
   <p1510:revLst>
+    <p1510:client id="{0DBD1F27-70A7-455F-84F3-C9210BEB9CB0}" v="2" dt="2026-02-06T11:40:12.375"/>
     <p1510:client id="{8F0A5C43-19FA-425E-B74A-88E698457834}" v="227" dt="2026-02-05T22:56:01.144"/>
   </p1510:revLst>
 </p1510:revInfo>
@@ -146,7 +147,7 @@
   <pc:docChgLst>
     <pc:chgData name="Patrik Cavina" userId="d7e11bb0-f437-4152-93e5-5b266b1ec233" providerId="ADAL" clId="{AAAD9468-DFC3-4CCC-BFE4-BB705D44289D}"/>
     <pc:docChg chg="undo custSel addSld delSld modSld sldOrd delSection">
-      <pc:chgData name="Patrik Cavina" userId="d7e11bb0-f437-4152-93e5-5b266b1ec233" providerId="ADAL" clId="{AAAD9468-DFC3-4CCC-BFE4-BB705D44289D}" dt="2026-02-06T10:51:29.809" v="2125" actId="1037"/>
+      <pc:chgData name="Patrik Cavina" userId="d7e11bb0-f437-4152-93e5-5b266b1ec233" providerId="ADAL" clId="{AAAD9468-DFC3-4CCC-BFE4-BB705D44289D}" dt="2026-02-06T11:40:12.375" v="2276"/>
       <pc:docMkLst>
         <pc:docMk/>
       </pc:docMkLst>
@@ -496,7 +497,7 @@
         </pc:picChg>
       </pc:sldChg>
       <pc:sldChg chg="addSp delSp modSp mod">
-        <pc:chgData name="Patrik Cavina" userId="d7e11bb0-f437-4152-93e5-5b266b1ec233" providerId="ADAL" clId="{AAAD9468-DFC3-4CCC-BFE4-BB705D44289D}" dt="2026-02-05T22:43:43.318" v="1611" actId="1076"/>
+        <pc:chgData name="Patrik Cavina" userId="d7e11bb0-f437-4152-93e5-5b266b1ec233" providerId="ADAL" clId="{AAAD9468-DFC3-4CCC-BFE4-BB705D44289D}" dt="2026-02-06T11:32:43.941" v="2127" actId="1076"/>
         <pc:sldMkLst>
           <pc:docMk/>
           <pc:sldMk cId="2168181438" sldId="273"/>
@@ -518,7 +519,7 @@
           </ac:spMkLst>
         </pc:spChg>
         <pc:spChg chg="add mod">
-          <ac:chgData name="Patrik Cavina" userId="d7e11bb0-f437-4152-93e5-5b266b1ec233" providerId="ADAL" clId="{AAAD9468-DFC3-4CCC-BFE4-BB705D44289D}" dt="2026-02-05T22:40:33.395" v="1588" actId="113"/>
+          <ac:chgData name="Patrik Cavina" userId="d7e11bb0-f437-4152-93e5-5b266b1ec233" providerId="ADAL" clId="{AAAD9468-DFC3-4CCC-BFE4-BB705D44289D}" dt="2026-02-06T11:32:43.941" v="2127" actId="1076"/>
           <ac:spMkLst>
             <pc:docMk/>
             <pc:sldMk cId="2168181438" sldId="273"/>
@@ -550,7 +551,7 @@
           </ac:picMkLst>
         </pc:picChg>
         <pc:picChg chg="add mod">
-          <ac:chgData name="Patrik Cavina" userId="d7e11bb0-f437-4152-93e5-5b266b1ec233" providerId="ADAL" clId="{AAAD9468-DFC3-4CCC-BFE4-BB705D44289D}" dt="2026-02-05T22:43:43.318" v="1611" actId="1076"/>
+          <ac:chgData name="Patrik Cavina" userId="d7e11bb0-f437-4152-93e5-5b266b1ec233" providerId="ADAL" clId="{AAAD9468-DFC3-4CCC-BFE4-BB705D44289D}" dt="2026-02-06T11:32:37.710" v="2126" actId="14100"/>
           <ac:picMkLst>
             <pc:docMk/>
             <pc:sldMk cId="2168181438" sldId="273"/>
@@ -756,7 +757,7 @@
         </pc:picChg>
       </pc:sldChg>
       <pc:sldChg chg="addSp delSp modSp mod">
-        <pc:chgData name="Patrik Cavina" userId="d7e11bb0-f437-4152-93e5-5b266b1ec233" providerId="ADAL" clId="{AAAD9468-DFC3-4CCC-BFE4-BB705D44289D}" dt="2026-02-06T10:51:29.809" v="2125" actId="1037"/>
+        <pc:chgData name="Patrik Cavina" userId="d7e11bb0-f437-4152-93e5-5b266b1ec233" providerId="ADAL" clId="{AAAD9468-DFC3-4CCC-BFE4-BB705D44289D}" dt="2026-02-06T11:34:03.207" v="2134" actId="1076"/>
         <pc:sldMkLst>
           <pc:docMk/>
           <pc:sldMk cId="4266987890" sldId="279"/>
@@ -882,7 +883,7 @@
           </ac:spMkLst>
         </pc:spChg>
         <pc:spChg chg="add mod">
-          <ac:chgData name="Patrik Cavina" userId="d7e11bb0-f437-4152-93e5-5b266b1ec233" providerId="ADAL" clId="{AAAD9468-DFC3-4CCC-BFE4-BB705D44289D}" dt="2026-02-06T10:51:29.809" v="2125" actId="1037"/>
+          <ac:chgData name="Patrik Cavina" userId="d7e11bb0-f437-4152-93e5-5b266b1ec233" providerId="ADAL" clId="{AAAD9468-DFC3-4CCC-BFE4-BB705D44289D}" dt="2026-02-06T11:33:39.482" v="2131" actId="1038"/>
           <ac:spMkLst>
             <pc:docMk/>
             <pc:sldMk cId="4266987890" sldId="279"/>
@@ -930,7 +931,7 @@
           </ac:grpSpMkLst>
         </pc:grpChg>
         <pc:grpChg chg="mod">
-          <ac:chgData name="Patrik Cavina" userId="d7e11bb0-f437-4152-93e5-5b266b1ec233" providerId="ADAL" clId="{AAAD9468-DFC3-4CCC-BFE4-BB705D44289D}" dt="2026-02-05T22:56:12.426" v="2106" actId="12788"/>
+          <ac:chgData name="Patrik Cavina" userId="d7e11bb0-f437-4152-93e5-5b266b1ec233" providerId="ADAL" clId="{AAAD9468-DFC3-4CCC-BFE4-BB705D44289D}" dt="2026-02-06T11:34:03.207" v="2134" actId="1076"/>
           <ac:grpSpMkLst>
             <pc:docMk/>
             <pc:sldMk cId="4266987890" sldId="279"/>
@@ -1033,7 +1034,7 @@
         </pc:picChg>
       </pc:sldChg>
       <pc:sldChg chg="addSp delSp modSp mod">
-        <pc:chgData name="Patrik Cavina" userId="d7e11bb0-f437-4152-93e5-5b266b1ec233" providerId="ADAL" clId="{AAAD9468-DFC3-4CCC-BFE4-BB705D44289D}" dt="2026-02-05T22:50:47.630" v="1889" actId="20577"/>
+        <pc:chgData name="Patrik Cavina" userId="d7e11bb0-f437-4152-93e5-5b266b1ec233" providerId="ADAL" clId="{AAAD9468-DFC3-4CCC-BFE4-BB705D44289D}" dt="2026-02-06T11:40:11.432" v="2275"/>
         <pc:sldMkLst>
           <pc:docMk/>
           <pc:sldMk cId="3547386004" sldId="283"/>
@@ -1044,6 +1045,14 @@
             <pc:docMk/>
             <pc:sldMk cId="3547386004" sldId="283"/>
             <ac:spMk id="4" creationId="{6D3088C5-43CC-D537-7B3C-76429F0E1961}"/>
+          </ac:spMkLst>
+        </pc:spChg>
+        <pc:spChg chg="add mod">
+          <ac:chgData name="Patrik Cavina" userId="d7e11bb0-f437-4152-93e5-5b266b1ec233" providerId="ADAL" clId="{AAAD9468-DFC3-4CCC-BFE4-BB705D44289D}" dt="2026-02-06T11:40:11.432" v="2275"/>
+          <ac:spMkLst>
+            <pc:docMk/>
+            <pc:sldMk cId="3547386004" sldId="283"/>
+            <ac:spMk id="5" creationId="{CBFF4195-C66D-9E93-992F-C9CF11C9120F}"/>
           </ac:spMkLst>
         </pc:spChg>
         <pc:spChg chg="add mod">
@@ -1071,7 +1080,7 @@
           </ac:spMkLst>
         </pc:spChg>
         <pc:picChg chg="add mod">
-          <ac:chgData name="Patrik Cavina" userId="d7e11bb0-f437-4152-93e5-5b266b1ec233" providerId="ADAL" clId="{AAAD9468-DFC3-4CCC-BFE4-BB705D44289D}" dt="2026-02-05T22:45:47.255" v="1723" actId="14100"/>
+          <ac:chgData name="Patrik Cavina" userId="d7e11bb0-f437-4152-93e5-5b266b1ec233" providerId="ADAL" clId="{AAAD9468-DFC3-4CCC-BFE4-BB705D44289D}" dt="2026-02-06T11:35:39.411" v="2136" actId="1076"/>
           <ac:picMkLst>
             <pc:docMk/>
             <pc:sldMk cId="3547386004" sldId="283"/>
@@ -1088,7 +1097,7 @@
         </pc:picChg>
       </pc:sldChg>
       <pc:sldChg chg="addSp delSp modSp mod">
-        <pc:chgData name="Patrik Cavina" userId="d7e11bb0-f437-4152-93e5-5b266b1ec233" providerId="ADAL" clId="{AAAD9468-DFC3-4CCC-BFE4-BB705D44289D}" dt="2026-02-05T22:54:21.443" v="2104" actId="20577"/>
+        <pc:chgData name="Patrik Cavina" userId="d7e11bb0-f437-4152-93e5-5b266b1ec233" providerId="ADAL" clId="{AAAD9468-DFC3-4CCC-BFE4-BB705D44289D}" dt="2026-02-06T11:40:12.375" v="2276"/>
         <pc:sldMkLst>
           <pc:docMk/>
           <pc:sldMk cId="3626752474" sldId="284"/>
@@ -1099,6 +1108,14 @@
             <pc:docMk/>
             <pc:sldMk cId="3626752474" sldId="284"/>
             <ac:spMk id="4" creationId="{48917AA1-E186-CB4A-598C-03692DAFB02E}"/>
+          </ac:spMkLst>
+        </pc:spChg>
+        <pc:spChg chg="add mod">
+          <ac:chgData name="Patrik Cavina" userId="d7e11bb0-f437-4152-93e5-5b266b1ec233" providerId="ADAL" clId="{AAAD9468-DFC3-4CCC-BFE4-BB705D44289D}" dt="2026-02-06T11:40:12.375" v="2276"/>
+          <ac:spMkLst>
+            <pc:docMk/>
+            <pc:sldMk cId="3626752474" sldId="284"/>
+            <ac:spMk id="5" creationId="{CB181FCA-C470-8934-9A0B-69B166F5C78A}"/>
           </ac:spMkLst>
         </pc:spChg>
         <pc:spChg chg="add mod">
@@ -1118,7 +1135,7 @@
           </ac:spMkLst>
         </pc:spChg>
         <pc:picChg chg="add mod">
-          <ac:chgData name="Patrik Cavina" userId="d7e11bb0-f437-4152-93e5-5b266b1ec233" providerId="ADAL" clId="{AAAD9468-DFC3-4CCC-BFE4-BB705D44289D}" dt="2026-02-05T22:51:18.425" v="1891" actId="14100"/>
+          <ac:chgData name="Patrik Cavina" userId="d7e11bb0-f437-4152-93e5-5b266b1ec233" providerId="ADAL" clId="{AAAD9468-DFC3-4CCC-BFE4-BB705D44289D}" dt="2026-02-06T11:35:53.323" v="2138" actId="1076"/>
           <ac:picMkLst>
             <pc:docMk/>
             <pc:sldMk cId="3626752474" sldId="284"/>
@@ -1135,11 +1152,19 @@
         </pc:picChg>
       </pc:sldChg>
       <pc:sldChg chg="addSp delSp modSp mod">
-        <pc:chgData name="Patrik Cavina" userId="d7e11bb0-f437-4152-93e5-5b266b1ec233" providerId="ADAL" clId="{AAAD9468-DFC3-4CCC-BFE4-BB705D44289D}" dt="2026-02-05T22:48:40.831" v="1817" actId="403"/>
+        <pc:chgData name="Patrik Cavina" userId="d7e11bb0-f437-4152-93e5-5b266b1ec233" providerId="ADAL" clId="{AAAD9468-DFC3-4CCC-BFE4-BB705D44289D}" dt="2026-02-06T11:40:02.045" v="2274" actId="207"/>
         <pc:sldMkLst>
           <pc:docMk/>
           <pc:sldMk cId="3663437585" sldId="285"/>
         </pc:sldMkLst>
+        <pc:spChg chg="add mod">
+          <ac:chgData name="Patrik Cavina" userId="d7e11bb0-f437-4152-93e5-5b266b1ec233" providerId="ADAL" clId="{AAAD9468-DFC3-4CCC-BFE4-BB705D44289D}" dt="2026-02-06T11:40:02.045" v="2274" actId="207"/>
+          <ac:spMkLst>
+            <pc:docMk/>
+            <pc:sldMk cId="3663437585" sldId="285"/>
+            <ac:spMk id="2" creationId="{3EB37301-7431-326E-EA6B-0837DD66033D}"/>
+          </ac:spMkLst>
+        </pc:spChg>
         <pc:spChg chg="add mod">
           <ac:chgData name="Patrik Cavina" userId="d7e11bb0-f437-4152-93e5-5b266b1ec233" providerId="ADAL" clId="{AAAD9468-DFC3-4CCC-BFE4-BB705D44289D}" dt="2026-02-04T10:56:32.415" v="212" actId="20577"/>
           <ac:spMkLst>
@@ -1181,7 +1206,7 @@
           </ac:picMkLst>
         </pc:picChg>
         <pc:picChg chg="add mod">
-          <ac:chgData name="Patrik Cavina" userId="d7e11bb0-f437-4152-93e5-5b266b1ec233" providerId="ADAL" clId="{AAAD9468-DFC3-4CCC-BFE4-BB705D44289D}" dt="2026-02-05T22:43:46.643" v="1612" actId="1076"/>
+          <ac:chgData name="Patrik Cavina" userId="d7e11bb0-f437-4152-93e5-5b266b1ec233" providerId="ADAL" clId="{AAAD9468-DFC3-4CCC-BFE4-BB705D44289D}" dt="2026-02-06T11:34:34.766" v="2135" actId="14100"/>
           <ac:picMkLst>
             <pc:docMk/>
             <pc:sldMk cId="3663437585" sldId="285"/>
@@ -1213,13 +1238,13 @@
         </pc:picChg>
       </pc:sldChg>
       <pc:sldChg chg="addSp modSp add mod">
-        <pc:chgData name="Patrik Cavina" userId="d7e11bb0-f437-4152-93e5-5b266b1ec233" providerId="ADAL" clId="{AAAD9468-DFC3-4CCC-BFE4-BB705D44289D}" dt="2026-02-05T21:30:12.503" v="1002" actId="113"/>
+        <pc:chgData name="Patrik Cavina" userId="d7e11bb0-f437-4152-93e5-5b266b1ec233" providerId="ADAL" clId="{AAAD9468-DFC3-4CCC-BFE4-BB705D44289D}" dt="2026-02-06T11:33:24.777" v="2129" actId="1076"/>
         <pc:sldMkLst>
           <pc:docMk/>
           <pc:sldMk cId="1334552141" sldId="287"/>
         </pc:sldMkLst>
         <pc:spChg chg="add mod">
-          <ac:chgData name="Patrik Cavina" userId="d7e11bb0-f437-4152-93e5-5b266b1ec233" providerId="ADAL" clId="{AAAD9468-DFC3-4CCC-BFE4-BB705D44289D}" dt="2026-02-05T21:30:12.503" v="1002" actId="113"/>
+          <ac:chgData name="Patrik Cavina" userId="d7e11bb0-f437-4152-93e5-5b266b1ec233" providerId="ADAL" clId="{AAAD9468-DFC3-4CCC-BFE4-BB705D44289D}" dt="2026-02-06T11:33:24.777" v="2129" actId="1076"/>
           <ac:spMkLst>
             <pc:docMk/>
             <pc:sldMk cId="1334552141" sldId="287"/>
@@ -1235,7 +1260,7 @@
           </ac:spMkLst>
         </pc:spChg>
         <pc:picChg chg="mod">
-          <ac:chgData name="Patrik Cavina" userId="d7e11bb0-f437-4152-93e5-5b266b1ec233" providerId="ADAL" clId="{AAAD9468-DFC3-4CCC-BFE4-BB705D44289D}" dt="2026-02-05T21:19:24.319" v="966" actId="14100"/>
+          <ac:chgData name="Patrik Cavina" userId="d7e11bb0-f437-4152-93e5-5b266b1ec233" providerId="ADAL" clId="{AAAD9468-DFC3-4CCC-BFE4-BB705D44289D}" dt="2026-02-06T11:33:20.590" v="2128" actId="1076"/>
           <ac:picMkLst>
             <pc:docMk/>
             <pc:sldMk cId="1334552141" sldId="287"/>
@@ -5120,8 +5145,8 @@
         </p:blipFill>
         <p:spPr>
           <a:xfrm>
-            <a:off x="3609892" y="1272280"/>
-            <a:ext cx="5430851" cy="3620567"/>
+            <a:off x="3877056" y="1272281"/>
+            <a:ext cx="5163687" cy="3442458"/>
           </a:xfrm>
           <a:prstGeom prst="rect">
             <a:avLst/>
@@ -5142,7 +5167,7 @@
         </p:nvSpPr>
         <p:spPr>
           <a:xfrm>
-            <a:off x="457200" y="1760995"/>
+            <a:off x="457200" y="1870125"/>
             <a:ext cx="3152692" cy="2246769"/>
           </a:xfrm>
           <a:prstGeom prst="rect">
@@ -5522,8 +5547,8 @@
         </p:blipFill>
         <p:spPr>
           <a:xfrm>
-            <a:off x="3601831" y="1279421"/>
-            <a:ext cx="5462656" cy="3641771"/>
+            <a:off x="3601831" y="1279420"/>
+            <a:ext cx="5480999" cy="3654000"/>
           </a:xfrm>
           <a:prstGeom prst="rect">
             <a:avLst/>
@@ -5586,6 +5611,65 @@
             <a:r>
               <a:rPr lang="it-IT" sz="1400" dirty="0"/>
               <a:t>Concentrata principalmente nei livelli intermedi, che fungono da intermediari tra i livelli finali</a:t>
+            </a:r>
+          </a:p>
+        </p:txBody>
+      </p:sp>
+      <p:sp>
+        <p:nvSpPr>
+          <p:cNvPr id="2" name="Rettangolo 1">
+            <a:extLst>
+              <a:ext uri="{FF2B5EF4-FFF2-40B4-BE49-F238E27FC236}">
+                <a16:creationId xmlns:a16="http://schemas.microsoft.com/office/drawing/2014/main" id="{3EB37301-7431-326E-EA6B-0837DD66033D}"/>
+              </a:ext>
+            </a:extLst>
+          </p:cNvPr>
+          <p:cNvSpPr/>
+          <p:nvPr/>
+        </p:nvSpPr>
+        <p:spPr>
+          <a:xfrm>
+            <a:off x="7178040" y="139219"/>
+            <a:ext cx="1836115" cy="334715"/>
+          </a:xfrm>
+          <a:prstGeom prst="rect">
+            <a:avLst/>
+          </a:prstGeom>
+          <a:solidFill>
+            <a:srgbClr val="065A82"/>
+          </a:solidFill>
+        </p:spPr>
+        <p:style>
+          <a:lnRef idx="2">
+            <a:schemeClr val="accent1">
+              <a:shade val="15000"/>
+            </a:schemeClr>
+          </a:lnRef>
+          <a:fillRef idx="1">
+            <a:schemeClr val="accent1"/>
+          </a:fillRef>
+          <a:effectRef idx="0">
+            <a:schemeClr val="accent1"/>
+          </a:effectRef>
+          <a:fontRef idx="minor">
+            <a:schemeClr val="lt1"/>
+          </a:fontRef>
+        </p:style>
+        <p:txBody>
+          <a:bodyPr rtlCol="0" anchor="ctr"/>
+          <a:lstStyle/>
+          <a:p>
+            <a:pPr algn="ctr"/>
+            <a:r>
+              <a:rPr lang="it-IT" sz="700" dirty="0"/>
+              <a:t>NOTA: direzione degli archi invertita </a:t>
+            </a:r>
+            <a:br>
+              <a:rPr lang="it-IT" sz="700" dirty="0"/>
+            </a:br>
+            <a:r>
+              <a:rPr lang="it-IT" sz="700" dirty="0"/>
+              <a:t>predatore -&gt; preda</a:t>
             </a:r>
           </a:p>
         </p:txBody>
@@ -5851,7 +5935,7 @@
         </p:blipFill>
         <p:spPr>
           <a:xfrm>
-            <a:off x="3601831" y="1145060"/>
+            <a:off x="3601831" y="1278000"/>
             <a:ext cx="5478668" cy="3652446"/>
           </a:xfrm>
           <a:prstGeom prst="rect">
@@ -6061,6 +6145,65 @@
           </p:sp>
         </mc:Fallback>
       </mc:AlternateContent>
+      <p:sp>
+        <p:nvSpPr>
+          <p:cNvPr id="5" name="Rettangolo 4">
+            <a:extLst>
+              <a:ext uri="{FF2B5EF4-FFF2-40B4-BE49-F238E27FC236}">
+                <a16:creationId xmlns:a16="http://schemas.microsoft.com/office/drawing/2014/main" id="{CBFF4195-C66D-9E93-992F-C9CF11C9120F}"/>
+              </a:ext>
+            </a:extLst>
+          </p:cNvPr>
+          <p:cNvSpPr/>
+          <p:nvPr/>
+        </p:nvSpPr>
+        <p:spPr>
+          <a:xfrm>
+            <a:off x="7178040" y="139219"/>
+            <a:ext cx="1836115" cy="334715"/>
+          </a:xfrm>
+          <a:prstGeom prst="rect">
+            <a:avLst/>
+          </a:prstGeom>
+          <a:solidFill>
+            <a:srgbClr val="065A82"/>
+          </a:solidFill>
+        </p:spPr>
+        <p:style>
+          <a:lnRef idx="2">
+            <a:schemeClr val="accent1">
+              <a:shade val="15000"/>
+            </a:schemeClr>
+          </a:lnRef>
+          <a:fillRef idx="1">
+            <a:schemeClr val="accent1"/>
+          </a:fillRef>
+          <a:effectRef idx="0">
+            <a:schemeClr val="accent1"/>
+          </a:effectRef>
+          <a:fontRef idx="minor">
+            <a:schemeClr val="lt1"/>
+          </a:fontRef>
+        </p:style>
+        <p:txBody>
+          <a:bodyPr rtlCol="0" anchor="ctr"/>
+          <a:lstStyle/>
+          <a:p>
+            <a:pPr algn="ctr"/>
+            <a:r>
+              <a:rPr lang="it-IT" sz="700" dirty="0"/>
+              <a:t>NOTA: direzione degli archi invertita </a:t>
+            </a:r>
+            <a:br>
+              <a:rPr lang="it-IT" sz="700" dirty="0"/>
+            </a:br>
+            <a:r>
+              <a:rPr lang="it-IT" sz="700" dirty="0"/>
+              <a:t>predatore -&gt; preda</a:t>
+            </a:r>
+          </a:p>
+        </p:txBody>
+      </p:sp>
     </p:spTree>
     <p:extLst>
       <p:ext uri="{BB962C8B-B14F-4D97-AF65-F5344CB8AC3E}">
@@ -6367,7 +6510,7 @@
         </p:blipFill>
         <p:spPr>
           <a:xfrm>
-            <a:off x="3601831" y="1145060"/>
+            <a:off x="3601831" y="1278000"/>
             <a:ext cx="5478668" cy="3652446"/>
           </a:xfrm>
           <a:prstGeom prst="rect">
@@ -6436,6 +6579,65 @@
             <a:r>
               <a:rPr lang="it-IT" sz="1400" dirty="0"/>
               <a:t>Decresce con il livello trofico</a:t>
+            </a:r>
+          </a:p>
+        </p:txBody>
+      </p:sp>
+      <p:sp>
+        <p:nvSpPr>
+          <p:cNvPr id="5" name="Rettangolo 4">
+            <a:extLst>
+              <a:ext uri="{FF2B5EF4-FFF2-40B4-BE49-F238E27FC236}">
+                <a16:creationId xmlns:a16="http://schemas.microsoft.com/office/drawing/2014/main" id="{CB181FCA-C470-8934-9A0B-69B166F5C78A}"/>
+              </a:ext>
+            </a:extLst>
+          </p:cNvPr>
+          <p:cNvSpPr/>
+          <p:nvPr/>
+        </p:nvSpPr>
+        <p:spPr>
+          <a:xfrm>
+            <a:off x="7178040" y="139219"/>
+            <a:ext cx="1836115" cy="334715"/>
+          </a:xfrm>
+          <a:prstGeom prst="rect">
+            <a:avLst/>
+          </a:prstGeom>
+          <a:solidFill>
+            <a:srgbClr val="065A82"/>
+          </a:solidFill>
+        </p:spPr>
+        <p:style>
+          <a:lnRef idx="2">
+            <a:schemeClr val="accent1">
+              <a:shade val="15000"/>
+            </a:schemeClr>
+          </a:lnRef>
+          <a:fillRef idx="1">
+            <a:schemeClr val="accent1"/>
+          </a:fillRef>
+          <a:effectRef idx="0">
+            <a:schemeClr val="accent1"/>
+          </a:effectRef>
+          <a:fontRef idx="minor">
+            <a:schemeClr val="lt1"/>
+          </a:fontRef>
+        </p:style>
+        <p:txBody>
+          <a:bodyPr rtlCol="0" anchor="ctr"/>
+          <a:lstStyle/>
+          <a:p>
+            <a:pPr algn="ctr"/>
+            <a:r>
+              <a:rPr lang="it-IT" sz="700" dirty="0"/>
+              <a:t>NOTA: direzione degli archi invertita </a:t>
+            </a:r>
+            <a:br>
+              <a:rPr lang="it-IT" sz="700" dirty="0"/>
+            </a:br>
+            <a:r>
+              <a:rPr lang="it-IT" sz="700" dirty="0"/>
+              <a:t>predatore -&gt; preda</a:t>
             </a:r>
           </a:p>
         </p:txBody>
@@ -8391,7 +8593,7 @@
         </p:blipFill>
         <p:spPr>
           <a:xfrm>
-            <a:off x="4284896" y="1393457"/>
+            <a:off x="4284896" y="1554480"/>
             <a:ext cx="4580973" cy="3053981"/>
           </a:xfrm>
           <a:prstGeom prst="rect">
@@ -8558,7 +8760,7 @@
         </p:nvSpPr>
         <p:spPr>
           <a:xfrm>
-            <a:off x="457200" y="1689340"/>
+            <a:off x="457200" y="1742641"/>
             <a:ext cx="3879766" cy="2462213"/>
           </a:xfrm>
           <a:prstGeom prst="rect">
@@ -11439,10 +11641,10 @@
         </p:nvGrpSpPr>
         <p:grpSpPr>
           <a:xfrm>
-            <a:off x="1176577" y="1235044"/>
-            <a:ext cx="6790846" cy="3539430"/>
-            <a:chOff x="1414901" y="1235044"/>
-            <a:chExt cx="6790846" cy="3539430"/>
+            <a:off x="1100937" y="1283475"/>
+            <a:ext cx="6942125" cy="3494265"/>
+            <a:chOff x="1422216" y="1235044"/>
+            <a:chExt cx="6783531" cy="3539430"/>
           </a:xfrm>
         </p:grpSpPr>
         <p:sp>
@@ -11567,15 +11769,7 @@
               </a:r>
               <a:r>
                 <a:rPr lang="it-IT" sz="1600" dirty="0"/>
-                <a:t>, </a:t>
-              </a:r>
-              <a:r>
-                <a:rPr lang="it-IT" sz="1600"/>
-                <a:t>indicando moderata </a:t>
-              </a:r>
-              <a:r>
-                <a:rPr lang="it-IT" sz="1600" dirty="0"/>
-                <a:t>connettività che potrebbe favorire la resilienza della rete a perturbazioni.</a:t>
+                <a:t>, indicando moderata connettività che potrebbe favorire la resilienza della rete a perturbazioni.</a:t>
               </a:r>
             </a:p>
           </p:txBody>
@@ -11919,7 +12113,7 @@
           </p:nvSpPr>
           <p:spPr>
             <a:xfrm>
-              <a:off x="1414901" y="3577912"/>
+              <a:off x="1422216" y="3570597"/>
               <a:ext cx="457200" cy="369332"/>
             </a:xfrm>
             <a:prstGeom prst="rect">

--- a/florida_bay_food_web_presentation.pptx
+++ b/florida_bay_food_web_presentation.pptx
@@ -136,7 +136,7 @@
 <file path=ppt/revisionInfo.xml><?xml version="1.0" encoding="utf-8"?>
 <p1510:revInfo xmlns:a="http://schemas.openxmlformats.org/drawingml/2006/main" xmlns:r="http://schemas.openxmlformats.org/officeDocument/2006/relationships" xmlns:p1510="http://schemas.microsoft.com/office/powerpoint/2015/10/main">
   <p1510:revLst>
-    <p1510:client id="{0DBD1F27-70A7-455F-84F3-C9210BEB9CB0}" v="2" dt="2026-02-06T11:40:12.375"/>
+    <p1510:client id="{0DBD1F27-70A7-455F-84F3-C9210BEB9CB0}" v="7" dt="2026-02-06T12:59:42.513"/>
     <p1510:client id="{8F0A5C43-19FA-425E-B74A-88E698457834}" v="227" dt="2026-02-05T22:56:01.144"/>
   </p1510:revLst>
 </p1510:revInfo>
@@ -147,7 +147,7 @@
   <pc:docChgLst>
     <pc:chgData name="Patrik Cavina" userId="d7e11bb0-f437-4152-93e5-5b266b1ec233" providerId="ADAL" clId="{AAAD9468-DFC3-4CCC-BFE4-BB705D44289D}"/>
     <pc:docChg chg="undo custSel addSld delSld modSld sldOrd delSection">
-      <pc:chgData name="Patrik Cavina" userId="d7e11bb0-f437-4152-93e5-5b266b1ec233" providerId="ADAL" clId="{AAAD9468-DFC3-4CCC-BFE4-BB705D44289D}" dt="2026-02-06T11:40:12.375" v="2276"/>
+      <pc:chgData name="Patrik Cavina" userId="d7e11bb0-f437-4152-93e5-5b266b1ec233" providerId="ADAL" clId="{AAAD9468-DFC3-4CCC-BFE4-BB705D44289D}" dt="2026-02-06T12:59:48.193" v="2290" actId="404"/>
       <pc:docMkLst>
         <pc:docMk/>
       </pc:docMkLst>
@@ -316,7 +316,7 @@
         </pc:picChg>
       </pc:sldChg>
       <pc:sldChg chg="modSp mod">
-        <pc:chgData name="Patrik Cavina" userId="d7e11bb0-f437-4152-93e5-5b266b1ec233" providerId="ADAL" clId="{AAAD9468-DFC3-4CCC-BFE4-BB705D44289D}" dt="2026-02-05T16:40:19.009" v="369" actId="6549"/>
+        <pc:chgData name="Patrik Cavina" userId="d7e11bb0-f437-4152-93e5-5b266b1ec233" providerId="ADAL" clId="{AAAD9468-DFC3-4CCC-BFE4-BB705D44289D}" dt="2026-02-06T12:59:11.406" v="2282" actId="20577"/>
         <pc:sldMkLst>
           <pc:docMk/>
           <pc:sldMk cId="2167691034" sldId="270"/>
@@ -351,6 +351,14 @@
             <pc:docMk/>
             <pc:sldMk cId="2167691034" sldId="270"/>
             <ac:spMk id="109" creationId="{56E0A4E0-B89C-6FA2-007C-2E9388C310A2}"/>
+          </ac:spMkLst>
+        </pc:spChg>
+        <pc:spChg chg="mod">
+          <ac:chgData name="Patrik Cavina" userId="d7e11bb0-f437-4152-93e5-5b266b1ec233" providerId="ADAL" clId="{AAAD9468-DFC3-4CCC-BFE4-BB705D44289D}" dt="2026-02-06T12:59:11.406" v="2282" actId="20577"/>
+          <ac:spMkLst>
+            <pc:docMk/>
+            <pc:sldMk cId="2167691034" sldId="270"/>
+            <ac:spMk id="115" creationId="{2E5B4AB4-DA2F-41D1-F961-96A3AB859C47}"/>
           </ac:spMkLst>
         </pc:spChg>
         <pc:spChg chg="mod">
@@ -655,7 +663,7 @@
         </pc:picChg>
       </pc:sldChg>
       <pc:sldChg chg="addSp delSp modSp mod">
-        <pc:chgData name="Patrik Cavina" userId="d7e11bb0-f437-4152-93e5-5b266b1ec233" providerId="ADAL" clId="{AAAD9468-DFC3-4CCC-BFE4-BB705D44289D}" dt="2026-02-05T22:01:50.959" v="1189" actId="1076"/>
+        <pc:chgData name="Patrik Cavina" userId="d7e11bb0-f437-4152-93e5-5b266b1ec233" providerId="ADAL" clId="{AAAD9468-DFC3-4CCC-BFE4-BB705D44289D}" dt="2026-02-06T12:59:38.865" v="2287" actId="20577"/>
         <pc:sldMkLst>
           <pc:docMk/>
           <pc:sldMk cId="1510991381" sldId="276"/>
@@ -677,7 +685,7 @@
           </ac:spMkLst>
         </pc:spChg>
         <pc:spChg chg="add mod">
-          <ac:chgData name="Patrik Cavina" userId="d7e11bb0-f437-4152-93e5-5b266b1ec233" providerId="ADAL" clId="{AAAD9468-DFC3-4CCC-BFE4-BB705D44289D}" dt="2026-02-04T10:58:09.697" v="252"/>
+          <ac:chgData name="Patrik Cavina" userId="d7e11bb0-f437-4152-93e5-5b266b1ec233" providerId="ADAL" clId="{AAAD9468-DFC3-4CCC-BFE4-BB705D44289D}" dt="2026-02-06T12:59:38.865" v="2287" actId="20577"/>
           <ac:spMkLst>
             <pc:docMk/>
             <pc:sldMk cId="1510991381" sldId="276"/>
@@ -940,7 +948,7 @@
         </pc:grpChg>
       </pc:sldChg>
       <pc:sldChg chg="addSp delSp modSp mod">
-        <pc:chgData name="Patrik Cavina" userId="d7e11bb0-f437-4152-93e5-5b266b1ec233" providerId="ADAL" clId="{AAAD9468-DFC3-4CCC-BFE4-BB705D44289D}" dt="2026-02-05T22:01:34.271" v="1188" actId="1076"/>
+        <pc:chgData name="Patrik Cavina" userId="d7e11bb0-f437-4152-93e5-5b266b1ec233" providerId="ADAL" clId="{AAAD9468-DFC3-4CCC-BFE4-BB705D44289D}" dt="2026-02-06T12:59:48.193" v="2290" actId="404"/>
         <pc:sldMkLst>
           <pc:docMk/>
           <pc:sldMk cId="2409160462" sldId="280"/>
@@ -962,7 +970,7 @@
           </ac:spMkLst>
         </pc:spChg>
         <pc:spChg chg="add mod">
-          <ac:chgData name="Patrik Cavina" userId="d7e11bb0-f437-4152-93e5-5b266b1ec233" providerId="ADAL" clId="{AAAD9468-DFC3-4CCC-BFE4-BB705D44289D}" dt="2026-02-04T10:58:33.125" v="259"/>
+          <ac:chgData name="Patrik Cavina" userId="d7e11bb0-f437-4152-93e5-5b266b1ec233" providerId="ADAL" clId="{AAAD9468-DFC3-4CCC-BFE4-BB705D44289D}" dt="2026-02-06T12:59:48.193" v="2290" actId="404"/>
           <ac:spMkLst>
             <pc:docMk/>
             <pc:sldMk cId="2409160462" sldId="280"/>
@@ -9176,7 +9184,7 @@
           <a:lstStyle/>
           <a:p>
             <a:r>
-              <a:rPr lang="it-IT" dirty="0">
+              <a:rPr lang="it-IT" sz="1400" dirty="0">
                 <a:solidFill>
                   <a:srgbClr val="7F8C8D"/>
                 </a:solidFill>
@@ -9184,9 +9192,9 @@
                 <a:ea typeface="Calibri" pitchFamily="34" charset="-122"/>
                 <a:cs typeface="Calibri" pitchFamily="34" charset="-120"/>
               </a:rPr>
-              <a:t>Studiando la connettività della rete, questa risulta resiliente? </a:t>
-            </a:r>
-            <a:endParaRPr lang="en-US" dirty="0"/>
+              <a:t>Studiando la connettività della rete, cosa emerge? Risulta una grande componente fortemente connessa?</a:t>
+            </a:r>
+            <a:endParaRPr lang="en-US" sz="1400" dirty="0"/>
           </a:p>
         </p:txBody>
       </p:sp>
@@ -9491,7 +9499,7 @@
           <a:lstStyle/>
           <a:p>
             <a:r>
-              <a:rPr lang="it-IT" dirty="0">
+              <a:rPr lang="it-IT" sz="1400" dirty="0">
                 <a:solidFill>
                   <a:srgbClr val="7F8C8D"/>
                 </a:solidFill>
@@ -9499,9 +9507,9 @@
                 <a:ea typeface="Calibri" pitchFamily="34" charset="-122"/>
                 <a:cs typeface="Calibri" pitchFamily="34" charset="-120"/>
               </a:rPr>
-              <a:t>Studiando la connettività della rete, questa risulta resiliente? </a:t>
-            </a:r>
-            <a:endParaRPr lang="en-US" dirty="0"/>
+              <a:t>Studiando la connettività della rete, cosa emerge? Risulta una grande componente fortemente connessa?</a:t>
+            </a:r>
+            <a:endParaRPr lang="en-US" sz="1400" dirty="0"/>
           </a:p>
         </p:txBody>
       </p:sp>
@@ -16340,7 +16348,7 @@
                   <a:ea typeface="Calibri" pitchFamily="34" charset="-122"/>
                   <a:cs typeface="Calibri" pitchFamily="34" charset="-120"/>
                 </a:rPr>
-                <a:t>Studiando la connettività della rete, questa risulta resiliente? </a:t>
+                <a:t>Studiando la connettività della rete, cosa emerge? Risulta una grande componente fortemente connessa?</a:t>
               </a:r>
               <a:endParaRPr lang="en-US" sz="1200" dirty="0"/>
             </a:p>
